--- a/study/ppt/[스터디]다중선형회귀 예시_KDH.pptx
+++ b/study/ppt/[스터디]다중선형회귀 예시_KDH.pptx
@@ -5,10 +5,11 @@
     <p:sldMasterId id="2147483648" r:id="rId1"/>
   </p:sldMasterIdLst>
   <p:notesMasterIdLst>
-    <p:notesMasterId r:id="rId3"/>
+    <p:notesMasterId r:id="rId4"/>
   </p:notesMasterIdLst>
   <p:sldIdLst>
     <p:sldId id="258" r:id="rId2"/>
+    <p:sldId id="259" r:id="rId3"/>
   </p:sldIdLst>
   <p:sldSz cx="9906000" cy="6858000" type="A4"/>
   <p:notesSz cx="6858000" cy="9144000"/>
@@ -307,7 +308,7 @@
       </p15:sldGuideLst>
     </p:ext>
     <p:ext uri="http://customooxmlschemas.google.com/">
-      <go:slidesCustomData xmlns="" xmlns:mc="http://schemas.openxmlformats.org/markup-compatibility/2006" xmlns:mv="urn:schemas-microsoft-com:mac:vml" xmlns:c="http://schemas.openxmlformats.org/drawingml/2006/chart" xmlns:dgm="http://schemas.openxmlformats.org/drawingml/2006/diagram" xmlns:o="urn:schemas-microsoft-com:office:office" xmlns:v="urn:schemas-microsoft-com:vml" xmlns:pvml="urn:schemas-microsoft-com:office:powerpoint" xmlns:com="http://schemas.openxmlformats.org/drawingml/2006/compatibility" xmlns:p14="http://schemas.microsoft.com/office/powerpoint/2010/main" xmlns:p15="http://schemas.microsoft.com/office/powerpoint/2012/main" xmlns:go="http://customooxmlschemas.google.com/" r:id="rId11" roundtripDataSignature="AMtx7mhva3UHPhQA4WbyUQCroSE+7w+SGg=="/>
+      <go:slidesCustomData xmlns:go="http://customooxmlschemas.google.com/" xmlns:p15="http://schemas.microsoft.com/office/powerpoint/2012/main" xmlns:p14="http://schemas.microsoft.com/office/powerpoint/2010/main" xmlns:com="http://schemas.openxmlformats.org/drawingml/2006/compatibility" xmlns:pvml="urn:schemas-microsoft-com:office:powerpoint" xmlns:v="urn:schemas-microsoft-com:vml" xmlns:o="urn:schemas-microsoft-com:office:office" xmlns:dgm="http://schemas.openxmlformats.org/drawingml/2006/diagram" xmlns:c="http://schemas.openxmlformats.org/drawingml/2006/chart" xmlns:mv="urn:schemas-microsoft-com:mac:vml" xmlns:mc="http://schemas.openxmlformats.org/markup-compatibility/2006" xmlns="" r:id="rId11" roundtripDataSignature="AMtx7mhva3UHPhQA4WbyUQCroSE+7w+SGg=="/>
     </p:ext>
   </p:extLst>
 </p:presentation>
@@ -1662,6 +1663,36 @@
               </a:rPr>
               <a:t>https://bongury.tistory.com/259</a:t>
             </a:r>
+            <a:endParaRPr lang="en-US" altLang="ko-KR" dirty="0">
+              <a:highlight>
+                <a:srgbClr val="FFFF00"/>
+              </a:highlight>
+            </a:endParaRPr>
+          </a:p>
+          <a:p>
+            <a:pPr marL="0" lvl="0" indent="0" algn="l" rtl="0">
+              <a:lnSpc>
+                <a:spcPct val="100000"/>
+              </a:lnSpc>
+              <a:spcBef>
+                <a:spcPts val="0"/>
+              </a:spcBef>
+              <a:spcAft>
+                <a:spcPts val="0"/>
+              </a:spcAft>
+              <a:buClr>
+                <a:schemeClr val="dk1"/>
+              </a:buClr>
+              <a:buSzPts val="1200"/>
+              <a:buFont typeface="Noto Sans Symbols"/>
+              <a:buNone/>
+            </a:pPr>
+            <a:r>
+              <a:rPr lang="en-US" altLang="ko-KR" dirty="0">
+                <a:hlinkClick r:id="rId5"/>
+              </a:rPr>
+              <a:t>https://bioinformaticsandme.tistory.com/290</a:t>
+            </a:r>
             <a:endParaRPr u="none" dirty="0">
               <a:highlight>
                 <a:srgbClr val="FFFF00"/>
@@ -1720,6 +1751,258 @@
     <p:extLst>
       <p:ext uri="{BB962C8B-B14F-4D97-AF65-F5344CB8AC3E}">
         <p14:creationId xmlns:p14="http://schemas.microsoft.com/office/powerpoint/2010/main" val="192298356"/>
+      </p:ext>
+    </p:extLst>
+  </p:cSld>
+  <p:clrMapOvr>
+    <a:masterClrMapping/>
+  </p:clrMapOvr>
+</p:notes>
+</file>
+
+<file path=ppt/notesSlides/notesSlide2.xml><?xml version="1.0" encoding="utf-8"?>
+<p:notes xmlns:a="http://schemas.openxmlformats.org/drawingml/2006/main" xmlns:r="http://schemas.openxmlformats.org/officeDocument/2006/relationships" xmlns:p="http://schemas.openxmlformats.org/presentationml/2006/main" showMasterSp="0" showMasterPhAnim="0">
+  <p:cSld>
+    <p:spTree>
+      <p:nvGrpSpPr>
+        <p:cNvPr id="1" name="Shape 24"/>
+        <p:cNvGrpSpPr/>
+        <p:nvPr/>
+      </p:nvGrpSpPr>
+      <p:grpSpPr>
+        <a:xfrm>
+          <a:off x="0" y="0"/>
+          <a:ext cx="0" cy="0"/>
+          <a:chOff x="0" y="0"/>
+          <a:chExt cx="0" cy="0"/>
+        </a:xfrm>
+      </p:grpSpPr>
+      <p:sp>
+        <p:nvSpPr>
+          <p:cNvPr id="25" name="Google Shape;25;p2:notes"/>
+          <p:cNvSpPr>
+            <a:spLocks noGrp="1" noRot="1" noChangeAspect="1"/>
+          </p:cNvSpPr>
+          <p:nvPr>
+            <p:ph type="sldImg" idx="2"/>
+          </p:nvPr>
+        </p:nvSpPr>
+        <p:spPr>
+          <a:xfrm>
+            <a:off x="1200150" y="1143000"/>
+            <a:ext cx="4457700" cy="3086100"/>
+          </a:xfrm>
+          <a:custGeom>
+            <a:avLst/>
+            <a:gdLst/>
+            <a:ahLst/>
+            <a:cxnLst/>
+            <a:rect l="l" t="t" r="r" b="b"/>
+            <a:pathLst>
+              <a:path w="120000" h="120000" extrusionOk="0">
+                <a:moveTo>
+                  <a:pt x="0" y="0"/>
+                </a:moveTo>
+                <a:lnTo>
+                  <a:pt x="120000" y="0"/>
+                </a:lnTo>
+                <a:lnTo>
+                  <a:pt x="120000" y="120000"/>
+                </a:lnTo>
+                <a:lnTo>
+                  <a:pt x="0" y="120000"/>
+                </a:lnTo>
+                <a:close/>
+              </a:path>
+            </a:pathLst>
+          </a:custGeom>
+          <a:noFill/>
+          <a:ln w="12700" cap="flat" cmpd="sng">
+            <a:solidFill>
+              <a:srgbClr val="000000"/>
+            </a:solidFill>
+            <a:prstDash val="solid"/>
+            <a:round/>
+            <a:headEnd type="none" w="sm" len="sm"/>
+            <a:tailEnd type="none" w="sm" len="sm"/>
+          </a:ln>
+        </p:spPr>
+      </p:sp>
+      <p:sp>
+        <p:nvSpPr>
+          <p:cNvPr id="26" name="Google Shape;26;p2:notes"/>
+          <p:cNvSpPr txBox="1">
+            <a:spLocks noGrp="1"/>
+          </p:cNvSpPr>
+          <p:nvPr>
+            <p:ph type="body" idx="1"/>
+          </p:nvPr>
+        </p:nvSpPr>
+        <p:spPr>
+          <a:xfrm>
+            <a:off x="685800" y="4400550"/>
+            <a:ext cx="5486400" cy="3600450"/>
+          </a:xfrm>
+          <a:prstGeom prst="rect">
+            <a:avLst/>
+          </a:prstGeom>
+          <a:noFill/>
+          <a:ln>
+            <a:noFill/>
+          </a:ln>
+        </p:spPr>
+        <p:txBody>
+          <a:bodyPr spcFirstLastPara="1" wrap="square" lIns="91425" tIns="45700" rIns="91425" bIns="45700" anchor="t" anchorCtr="0">
+            <a:noAutofit/>
+          </a:bodyPr>
+          <a:lstStyle/>
+          <a:p>
+            <a:pPr marL="0" lvl="0" indent="0" algn="l" rtl="0">
+              <a:lnSpc>
+                <a:spcPct val="100000"/>
+              </a:lnSpc>
+              <a:spcBef>
+                <a:spcPts val="0"/>
+              </a:spcBef>
+              <a:spcAft>
+                <a:spcPts val="0"/>
+              </a:spcAft>
+              <a:buClr>
+                <a:schemeClr val="dk1"/>
+              </a:buClr>
+              <a:buSzPts val="1200"/>
+              <a:buFont typeface="Noto Sans Symbols"/>
+              <a:buNone/>
+            </a:pPr>
+            <a:r>
+              <a:rPr lang="en-US" u="none" dirty="0" err="1">
+                <a:highlight>
+                  <a:srgbClr val="FFFF00"/>
+                </a:highlight>
+              </a:rPr>
+              <a:t>R_style</a:t>
+            </a:r>
+            <a:r>
+              <a:rPr lang="en-US" u="none" dirty="0">
+                <a:highlight>
+                  <a:srgbClr val="FFFF00"/>
+                </a:highlight>
+              </a:rPr>
+              <a:t> : </a:t>
+            </a:r>
+            <a:r>
+              <a:rPr lang="en-US" altLang="ko-KR" dirty="0">
+                <a:highlight>
+                  <a:srgbClr val="FFFF00"/>
+                </a:highlight>
+                <a:hlinkClick r:id="rId3"/>
+              </a:rPr>
+              <a:t>https://www.statsmodels.org/dev/example_formulas.html</a:t>
+            </a:r>
+            <a:endParaRPr lang="en-US" altLang="ko-KR" dirty="0">
+              <a:highlight>
+                <a:srgbClr val="FFFF00"/>
+              </a:highlight>
+            </a:endParaRPr>
+          </a:p>
+          <a:p>
+            <a:pPr marL="0" lvl="0" indent="0" algn="l" rtl="0">
+              <a:lnSpc>
+                <a:spcPct val="100000"/>
+              </a:lnSpc>
+              <a:spcBef>
+                <a:spcPts val="0"/>
+              </a:spcBef>
+              <a:spcAft>
+                <a:spcPts val="0"/>
+              </a:spcAft>
+              <a:buClr>
+                <a:schemeClr val="dk1"/>
+              </a:buClr>
+              <a:buSzPts val="1200"/>
+              <a:buFont typeface="Noto Sans Symbols"/>
+              <a:buNone/>
+            </a:pPr>
+            <a:r>
+              <a:rPr lang="en-US" u="none" dirty="0" err="1">
+                <a:highlight>
+                  <a:srgbClr val="FFFF00"/>
+                </a:highlight>
+              </a:rPr>
+              <a:t>Python_style</a:t>
+            </a:r>
+            <a:r>
+              <a:rPr lang="en-US" u="none" dirty="0">
+                <a:highlight>
+                  <a:srgbClr val="FFFF00"/>
+                </a:highlight>
+              </a:rPr>
+              <a:t> : </a:t>
+            </a:r>
+            <a:r>
+              <a:rPr lang="en-US" altLang="ko-KR" dirty="0">
+                <a:hlinkClick r:id="rId4"/>
+              </a:rPr>
+              <a:t>https://www.statsmodels.org/devel/generated/statsmodels.regression.linear_model.OLS.html</a:t>
+            </a:r>
+            <a:endParaRPr u="none" dirty="0">
+              <a:highlight>
+                <a:srgbClr val="FFFF00"/>
+              </a:highlight>
+            </a:endParaRPr>
+          </a:p>
+        </p:txBody>
+      </p:sp>
+      <p:sp>
+        <p:nvSpPr>
+          <p:cNvPr id="27" name="Google Shape;27;p2:notes"/>
+          <p:cNvSpPr txBox="1">
+            <a:spLocks noGrp="1"/>
+          </p:cNvSpPr>
+          <p:nvPr>
+            <p:ph type="sldNum" idx="12"/>
+          </p:nvPr>
+        </p:nvSpPr>
+        <p:spPr>
+          <a:xfrm>
+            <a:off x="3884613" y="8685213"/>
+            <a:ext cx="2971800" cy="458787"/>
+          </a:xfrm>
+          <a:prstGeom prst="rect">
+            <a:avLst/>
+          </a:prstGeom>
+          <a:noFill/>
+          <a:ln>
+            <a:noFill/>
+          </a:ln>
+        </p:spPr>
+        <p:txBody>
+          <a:bodyPr spcFirstLastPara="1" wrap="square" lIns="91425" tIns="45700" rIns="91425" bIns="45700" anchor="b" anchorCtr="0">
+            <a:noAutofit/>
+          </a:bodyPr>
+          <a:lstStyle/>
+          <a:p>
+            <a:pPr marL="0" lvl="0" indent="0" algn="r" rtl="0">
+              <a:spcBef>
+                <a:spcPts val="0"/>
+              </a:spcBef>
+              <a:spcAft>
+                <a:spcPts val="0"/>
+              </a:spcAft>
+              <a:buNone/>
+            </a:pPr>
+            <a:fld id="{00000000-1234-1234-1234-123412341234}" type="slidenum">
+              <a:rPr lang="en-US" altLang="ko-KR"/>
+              <a:t>2</a:t>
+            </a:fld>
+            <a:endParaRPr/>
+          </a:p>
+        </p:txBody>
+      </p:sp>
+    </p:spTree>
+    <p:extLst>
+      <p:ext uri="{BB962C8B-B14F-4D97-AF65-F5344CB8AC3E}">
+        <p14:creationId xmlns:p14="http://schemas.microsoft.com/office/powerpoint/2010/main" val="3428356071"/>
       </p:ext>
     </p:extLst>
   </p:cSld>
@@ -3895,360 +4178,173 @@
           </a:p>
         </p:txBody>
       </p:sp>
-      <p:pic>
-        <p:nvPicPr>
-          <p:cNvPr id="2" name="그림 1">
+      <p:sp>
+        <p:nvSpPr>
+          <p:cNvPr id="8" name="TextBox 7">
             <a:extLst>
               <a:ext uri="{FF2B5EF4-FFF2-40B4-BE49-F238E27FC236}">
-                <a16:creationId xmlns:a16="http://schemas.microsoft.com/office/drawing/2014/main" id="{F300A021-55F9-48B7-BE50-0F90EB85CEF5}"/>
+                <a16:creationId xmlns:a16="http://schemas.microsoft.com/office/drawing/2014/main" id="{53CACBD9-B236-4E1B-9525-3B3376922A2B}"/>
               </a:ext>
             </a:extLst>
           </p:cNvPr>
-          <p:cNvPicPr>
-            <a:picLocks noChangeAspect="1"/>
-          </p:cNvPicPr>
+          <p:cNvSpPr txBox="1"/>
           <p:nvPr/>
-        </p:nvPicPr>
-        <p:blipFill>
-          <a:blip r:embed="rId3"/>
-          <a:stretch>
-            <a:fillRect/>
-          </a:stretch>
-        </p:blipFill>
+        </p:nvSpPr>
         <p:spPr>
           <a:xfrm>
-            <a:off x="426366" y="3389668"/>
-            <a:ext cx="1940371" cy="1923810"/>
+            <a:off x="-1" y="742858"/>
+            <a:ext cx="9906000" cy="4401205"/>
           </a:xfrm>
           <a:prstGeom prst="rect">
             <a:avLst/>
           </a:prstGeom>
+          <a:noFill/>
         </p:spPr>
-      </p:pic>
-      <p:pic>
-        <p:nvPicPr>
-          <p:cNvPr id="5" name="그림 4">
-            <a:extLst>
-              <a:ext uri="{FF2B5EF4-FFF2-40B4-BE49-F238E27FC236}">
-                <a16:creationId xmlns:a16="http://schemas.microsoft.com/office/drawing/2014/main" id="{2538F1A0-B80E-48B9-B715-B9CABADE0A43}"/>
-              </a:ext>
-            </a:extLst>
-          </p:cNvPr>
-          <p:cNvPicPr>
-            <a:picLocks noChangeAspect="1"/>
-          </p:cNvPicPr>
-          <p:nvPr/>
-        </p:nvPicPr>
-        <p:blipFill>
-          <a:blip r:embed="rId4"/>
-          <a:stretch>
-            <a:fillRect/>
-          </a:stretch>
-        </p:blipFill>
-        <p:spPr>
-          <a:xfrm>
-            <a:off x="3124990" y="4173657"/>
-            <a:ext cx="2685081" cy="1139821"/>
-          </a:xfrm>
-          <a:prstGeom prst="rect">
-            <a:avLst/>
-          </a:prstGeom>
-        </p:spPr>
-      </p:pic>
-      <p:pic>
-        <p:nvPicPr>
-          <p:cNvPr id="7" name="그림 6">
-            <a:extLst>
-              <a:ext uri="{FF2B5EF4-FFF2-40B4-BE49-F238E27FC236}">
-                <a16:creationId xmlns:a16="http://schemas.microsoft.com/office/drawing/2014/main" id="{FE059DE1-F36B-49D1-A729-FB3900914979}"/>
-              </a:ext>
-            </a:extLst>
-          </p:cNvPr>
-          <p:cNvPicPr>
-            <a:picLocks noChangeAspect="1"/>
-          </p:cNvPicPr>
-          <p:nvPr/>
-        </p:nvPicPr>
-        <p:blipFill>
-          <a:blip r:embed="rId5"/>
-          <a:stretch>
-            <a:fillRect/>
-          </a:stretch>
-        </p:blipFill>
-        <p:spPr>
-          <a:xfrm>
-            <a:off x="6568325" y="4211222"/>
-            <a:ext cx="2685081" cy="1102256"/>
-          </a:xfrm>
-          <a:prstGeom prst="rect">
-            <a:avLst/>
-          </a:prstGeom>
-        </p:spPr>
-      </p:pic>
-      <mc:AlternateContent xmlns:mc="http://schemas.openxmlformats.org/markup-compatibility/2006" xmlns:a14="http://schemas.microsoft.com/office/drawing/2010/main">
-        <mc:Choice Requires="a14">
-          <p:sp>
-            <p:nvSpPr>
-              <p:cNvPr id="8" name="TextBox 7">
-                <a:extLst>
-                  <a:ext uri="{FF2B5EF4-FFF2-40B4-BE49-F238E27FC236}">
-                    <a16:creationId xmlns:a16="http://schemas.microsoft.com/office/drawing/2014/main" id="{53CACBD9-B236-4E1B-9525-3B3376922A2B}"/>
-                  </a:ext>
-                </a:extLst>
-              </p:cNvPr>
-              <p:cNvSpPr txBox="1"/>
-              <p:nvPr/>
-            </p:nvSpPr>
-            <p:spPr>
-              <a:xfrm>
-                <a:off x="-1" y="742858"/>
-                <a:ext cx="9906000" cy="1528239"/>
-              </a:xfrm>
-              <a:prstGeom prst="rect">
-                <a:avLst/>
-              </a:prstGeom>
-              <a:noFill/>
-            </p:spPr>
-            <p:txBody>
-              <a:bodyPr wrap="square" rtlCol="0">
-                <a:spAutoFit/>
-              </a:bodyPr>
-              <a:lstStyle/>
-              <a:p>
-                <a:r>
-                  <a:rPr lang="en-US" altLang="ko-KR" sz="2000" b="1" dirty="0"/>
-                  <a:t>Thompson sampling</a:t>
-                </a:r>
-              </a:p>
-              <a:p>
-                <a:pPr marL="285750" lvl="1" indent="-285750">
-                  <a:lnSpc>
-                    <a:spcPct val="150000"/>
-                  </a:lnSpc>
-                  <a:buFont typeface="Wingdings" panose="05000000000000000000" pitchFamily="2" charset="2"/>
-                  <a:buChar char="v"/>
-                </a:pPr>
-                <a:r>
-                  <a:rPr lang="ko-KR" altLang="en-US" sz="1600" b="1" dirty="0"/>
-                  <a:t>베타분포</a:t>
-                </a:r>
-                <a:r>
-                  <a:rPr lang="ko-KR" altLang="en-US" sz="1600" dirty="0"/>
-                  <a:t> </a:t>
-                </a:r>
-                <a:r>
-                  <a:rPr lang="en-US" altLang="ko-KR" sz="1600" dirty="0"/>
-                  <a:t>: </a:t>
-                </a:r>
-                <a:r>
-                  <a:rPr lang="ko-KR" altLang="en-US" sz="1600" dirty="0"/>
-                  <a:t>두 매개변수 </a:t>
-                </a:r>
-                <a14:m>
-                  <m:oMath xmlns:m="http://schemas.openxmlformats.org/officeDocument/2006/math">
-                    <m:r>
-                      <a:rPr lang="en-US" altLang="ko-KR" sz="2000" i="1" dirty="0">
-                        <a:latin typeface="Cambria Math" panose="02040503050406030204" pitchFamily="18" charset="0"/>
-                      </a:rPr>
-                      <m:t>𝛼</m:t>
-                    </m:r>
-                    <m:r>
-                      <a:rPr lang="en-US" altLang="ko-KR" sz="2000" dirty="0">
-                        <a:latin typeface="Cambria Math" panose="02040503050406030204" pitchFamily="18" charset="0"/>
-                      </a:rPr>
-                      <m:t>, </m:t>
-                    </m:r>
-                    <m:r>
-                      <a:rPr lang="en-US" altLang="ko-KR" sz="1600" i="1" dirty="0">
-                        <a:latin typeface="Cambria Math" panose="02040503050406030204" pitchFamily="18" charset="0"/>
-                      </a:rPr>
-                      <m:t>𝛽</m:t>
-                    </m:r>
-                    <m:r>
-                      <a:rPr lang="ko-KR" altLang="en-US" sz="1600" i="1" dirty="0">
-                        <a:latin typeface="Cambria Math" panose="02040503050406030204" pitchFamily="18" charset="0"/>
-                      </a:rPr>
-                      <m:t>에</m:t>
-                    </m:r>
-                  </m:oMath>
-                </a14:m>
-                <a:r>
-                  <a:rPr lang="en-US" altLang="ko-KR" sz="1600" dirty="0"/>
-                  <a:t> </a:t>
-                </a:r>
-                <a:r>
-                  <a:rPr lang="ko-KR" altLang="en-US" sz="1600" dirty="0"/>
-                  <a:t>따라 </a:t>
-                </a:r>
-                <a:r>
-                  <a:rPr lang="en-US" altLang="ko-KR" sz="1600" dirty="0"/>
-                  <a:t>[0, 1] </a:t>
-                </a:r>
-                <a:r>
-                  <a:rPr lang="ko-KR" altLang="en-US" sz="1600" dirty="0"/>
-                  <a:t>구간에서 정의되는 연속 확률 분포들의 가족이다</a:t>
-                </a:r>
-                <a:r>
-                  <a:rPr lang="en-US" altLang="ko-KR" sz="1600" dirty="0"/>
-                  <a:t>.</a:t>
-                </a:r>
-              </a:p>
-              <a:p>
-                <a:pPr marL="285750" lvl="1" indent="-285750">
-                  <a:lnSpc>
-                    <a:spcPct val="150000"/>
-                  </a:lnSpc>
-                  <a:buFont typeface="Wingdings" panose="05000000000000000000" pitchFamily="2" charset="2"/>
-                  <a:buChar char="v"/>
-                </a:pPr>
-                <a:r>
-                  <a:rPr lang="ko-KR" altLang="en-US" sz="1600" b="1" dirty="0" err="1"/>
-                  <a:t>베이즈정리</a:t>
-                </a:r>
-                <a:r>
-                  <a:rPr lang="ko-KR" altLang="en-US" sz="1600" dirty="0"/>
-                  <a:t> </a:t>
-                </a:r>
-                <a:r>
-                  <a:rPr lang="en-US" altLang="ko-KR" sz="1600" dirty="0"/>
-                  <a:t>: </a:t>
-                </a:r>
-                <a:r>
-                  <a:rPr lang="ko-KR" altLang="en-US" sz="1600" dirty="0"/>
-                  <a:t>두 확률 변수의 사전 확률과 사후 확률 사이의 관계를 나타내는 정리다</a:t>
-                </a:r>
-                <a:r>
-                  <a:rPr lang="en-US" altLang="ko-KR" sz="1600" dirty="0"/>
-                  <a:t>.</a:t>
-                </a:r>
-                <a:endParaRPr lang="en-US" altLang="ko-KR" sz="1800" dirty="0"/>
-              </a:p>
-              <a:p>
-                <a:endParaRPr lang="ko-KR" altLang="en-US" sz="2000" b="1" dirty="0"/>
-              </a:p>
-            </p:txBody>
-          </p:sp>
-        </mc:Choice>
-        <mc:Fallback xmlns="">
-          <p:sp>
-            <p:nvSpPr>
-              <p:cNvPr id="8" name="TextBox 7">
-                <a:extLst>
-                  <a:ext uri="{FF2B5EF4-FFF2-40B4-BE49-F238E27FC236}">
-                    <a16:creationId xmlns:a16="http://schemas.microsoft.com/office/drawing/2014/main" id="{53CACBD9-B236-4E1B-9525-3B3376922A2B}"/>
-                  </a:ext>
-                </a:extLst>
-              </p:cNvPr>
-              <p:cNvSpPr txBox="1">
-                <a:spLocks noRot="1" noChangeAspect="1" noMove="1" noResize="1" noEditPoints="1" noAdjustHandles="1" noChangeArrowheads="1" noChangeShapeType="1" noTextEdit="1"/>
-              </p:cNvSpPr>
-              <p:nvPr/>
-            </p:nvSpPr>
-            <p:spPr>
-              <a:xfrm>
-                <a:off x="-1" y="742858"/>
-                <a:ext cx="9906000" cy="1528239"/>
-              </a:xfrm>
-              <a:prstGeom prst="rect">
-                <a:avLst/>
-              </a:prstGeom>
-              <a:blipFill>
-                <a:blip r:embed="rId6"/>
-                <a:stretch>
-                  <a:fillRect l="-615" t="-1992"/>
-                </a:stretch>
-              </a:blipFill>
-            </p:spPr>
-            <p:txBody>
-              <a:bodyPr/>
-              <a:lstStyle/>
-              <a:p>
-                <a:r>
-                  <a:rPr lang="ko-KR" altLang="en-US">
-                    <a:noFill/>
-                  </a:rPr>
-                  <a:t> </a:t>
-                </a:r>
-              </a:p>
-            </p:txBody>
-          </p:sp>
-        </mc:Fallback>
-      </mc:AlternateContent>
-      <p:sp>
-        <p:nvSpPr>
-          <p:cNvPr id="11" name="사각형: 둥근 모서리 10">
-            <a:extLst>
-              <a:ext uri="{FF2B5EF4-FFF2-40B4-BE49-F238E27FC236}">
-                <a16:creationId xmlns:a16="http://schemas.microsoft.com/office/drawing/2014/main" id="{13D664EB-C341-40D9-B0D0-4CB0E2CA40C4}"/>
-              </a:ext>
-            </a:extLst>
-          </p:cNvPr>
-          <p:cNvSpPr/>
-          <p:nvPr/>
-        </p:nvSpPr>
-        <p:spPr>
-          <a:xfrm>
-            <a:off x="360895" y="2060503"/>
-            <a:ext cx="8827521" cy="606165"/>
-          </a:xfrm>
-          <a:prstGeom prst="roundRect">
-            <a:avLst/>
-          </a:prstGeom>
-          <a:solidFill>
-            <a:schemeClr val="accent4">
-              <a:lumMod val="40000"/>
-              <a:lumOff val="60000"/>
-            </a:schemeClr>
-          </a:solidFill>
-          <a:ln>
-            <a:noFill/>
-          </a:ln>
-        </p:spPr>
-        <p:style>
-          <a:lnRef idx="2">
-            <a:schemeClr val="accent1">
-              <a:shade val="50000"/>
-            </a:schemeClr>
-          </a:lnRef>
-          <a:fillRef idx="1">
-            <a:schemeClr val="accent1"/>
-          </a:fillRef>
-          <a:effectRef idx="0">
-            <a:schemeClr val="accent1"/>
-          </a:effectRef>
-          <a:fontRef idx="minor">
-            <a:schemeClr val="lt1"/>
-          </a:fontRef>
-        </p:style>
         <p:txBody>
-          <a:bodyPr rtlCol="0" anchor="ctr"/>
+          <a:bodyPr wrap="square" rtlCol="0">
+            <a:spAutoFit/>
+          </a:bodyPr>
           <a:lstStyle/>
           <a:p>
-            <a:pPr algn="ctr"/>
             <a:r>
-              <a:rPr lang="ko-KR" altLang="en-US" sz="1800" b="1" dirty="0">
-                <a:solidFill>
-                  <a:schemeClr val="tx1"/>
-                </a:solidFill>
-              </a:rPr>
-              <a:t>가장</a:t>
+              <a:rPr lang="ko-KR" altLang="en-US" sz="2000" b="1" dirty="0"/>
+              <a:t>다중회귀분석</a:t>
+            </a:r>
+            <a:endParaRPr lang="en-US" altLang="ko-KR" sz="2000" b="1" dirty="0"/>
+          </a:p>
+          <a:p>
+            <a:r>
+              <a:rPr lang="ko-KR" altLang="en-US" sz="2000" b="1" dirty="0"/>
+              <a:t>독립변수가 </a:t>
             </a:r>
             <a:r>
-              <a:rPr lang="en-US" altLang="ko-KR" sz="1800" b="1" dirty="0">
-                <a:solidFill>
-                  <a:schemeClr val="tx1"/>
-                </a:solidFill>
-              </a:rPr>
-              <a:t> </a:t>
+              <a:rPr lang="en-US" altLang="ko-KR" sz="2000" b="1" dirty="0"/>
+              <a:t>2</a:t>
             </a:r>
             <a:r>
-              <a:rPr lang="ko-KR" altLang="en-US" sz="1800" b="1" dirty="0">
-                <a:solidFill>
-                  <a:schemeClr val="tx1"/>
-                </a:solidFill>
-              </a:rPr>
-              <a:t>많이 클릭 될 배너</a:t>
+              <a:rPr lang="ko-KR" altLang="en-US" sz="2000" b="1" dirty="0"/>
+              <a:t>개 이상인 회귀분석</a:t>
             </a:r>
+            <a:endParaRPr lang="en-US" altLang="ko-KR" sz="2000" b="1" dirty="0"/>
+          </a:p>
+          <a:p>
+            <a:r>
+              <a:rPr lang="ko-KR" altLang="en-US" sz="2000" b="1" dirty="0"/>
+              <a:t>다중회귀 분석에서 </a:t>
+            </a:r>
+            <a:r>
+              <a:rPr lang="ko-KR" altLang="en-US" sz="2000" b="1" dirty="0" err="1"/>
+              <a:t>족립변수</a:t>
+            </a:r>
+            <a:r>
+              <a:rPr lang="ko-KR" altLang="en-US" sz="2000" b="1" dirty="0"/>
+              <a:t> 개수가 많을 경우 적절한 회귀모형 선택이 필요함</a:t>
+            </a:r>
+            <a:endParaRPr lang="en-US" altLang="ko-KR" sz="2000" b="1" dirty="0"/>
+          </a:p>
+          <a:p>
+            <a:r>
+              <a:rPr lang="ko-KR" altLang="en-US" sz="2000" b="1" dirty="0"/>
+              <a:t>회귀모형에 포함되는 예측변수의 선정 기준</a:t>
+            </a:r>
+            <a:endParaRPr lang="en-US" altLang="ko-KR" sz="2000" b="1" dirty="0"/>
+          </a:p>
+          <a:p>
+            <a:r>
+              <a:rPr lang="en-US" altLang="ko-KR" sz="2000" b="1" dirty="0"/>
+              <a:t>1 </a:t>
+            </a:r>
+            <a:r>
+              <a:rPr lang="ko-KR" altLang="en-US" sz="2000" b="1" dirty="0"/>
+              <a:t>종속변수와 높은 상관관계</a:t>
+            </a:r>
+            <a:endParaRPr lang="en-US" altLang="ko-KR" sz="2000" b="1" dirty="0"/>
+          </a:p>
+          <a:p>
+            <a:r>
+              <a:rPr lang="en-US" altLang="ko-KR" sz="2000" b="1" dirty="0"/>
+              <a:t>2 </a:t>
+            </a:r>
+            <a:r>
+              <a:rPr lang="ko-KR" altLang="en-US" sz="2000" b="1" dirty="0"/>
+              <a:t>선택된 독립변수들은 서로 낮은 상관관계를 보임</a:t>
+            </a:r>
+            <a:r>
+              <a:rPr lang="en-US" altLang="ko-KR" sz="2000" b="1" dirty="0"/>
+              <a:t>(</a:t>
+            </a:r>
+            <a:r>
+              <a:rPr lang="ko-KR" altLang="en-US" sz="2000" b="1" dirty="0" err="1"/>
+              <a:t>다중공선성</a:t>
+            </a:r>
+            <a:r>
+              <a:rPr lang="ko-KR" altLang="en-US" sz="2000" b="1" dirty="0"/>
+              <a:t> 문제를 회피</a:t>
+            </a:r>
+            <a:r>
+              <a:rPr lang="en-US" altLang="ko-KR" sz="2000" b="1" dirty="0"/>
+              <a:t>)</a:t>
+            </a:r>
+          </a:p>
+          <a:p>
+            <a:r>
+              <a:rPr lang="en-US" altLang="ko-KR" sz="2000" b="1" dirty="0"/>
+              <a:t>3 </a:t>
+            </a:r>
+            <a:r>
+              <a:rPr lang="ko-KR" altLang="en-US" sz="2000" b="1" dirty="0"/>
+              <a:t>예측변수의 개수는 적을수록 유리</a:t>
+            </a:r>
+            <a:endParaRPr lang="en-US" altLang="ko-KR" sz="2000" b="1" dirty="0"/>
+          </a:p>
+          <a:p>
+            <a:r>
+              <a:rPr lang="ko-KR" altLang="en-US" sz="2000" b="1" dirty="0"/>
+              <a:t>변수 선택법</a:t>
+            </a:r>
+            <a:endParaRPr lang="en-US" altLang="ko-KR" sz="2000" b="1" dirty="0"/>
+          </a:p>
+          <a:p>
+            <a:r>
+              <a:rPr lang="en-US" altLang="ko-KR" sz="2000" b="1" dirty="0"/>
+              <a:t>1 </a:t>
+            </a:r>
+            <a:r>
+              <a:rPr lang="ko-KR" altLang="en-US" sz="2000" b="1" dirty="0" err="1"/>
+              <a:t>전체머시기</a:t>
+            </a:r>
+            <a:endParaRPr lang="en-US" altLang="ko-KR" sz="2000" b="1" dirty="0"/>
+          </a:p>
+          <a:p>
+            <a:r>
+              <a:rPr lang="en-US" altLang="ko-KR" sz="2000" b="1" dirty="0"/>
+              <a:t>2 </a:t>
+            </a:r>
+            <a:r>
+              <a:rPr lang="ko-KR" altLang="en-US" sz="2000" b="1" dirty="0" err="1"/>
+              <a:t>전진머시기</a:t>
+            </a:r>
+            <a:endParaRPr lang="en-US" altLang="ko-KR" sz="2000" b="1" dirty="0"/>
+          </a:p>
+          <a:p>
+            <a:r>
+              <a:rPr lang="en-US" altLang="ko-KR" sz="2000" b="1" dirty="0"/>
+              <a:t>3 </a:t>
+            </a:r>
+            <a:r>
+              <a:rPr lang="ko-KR" altLang="en-US" sz="2000" b="1" dirty="0" err="1"/>
+              <a:t>후진머시기</a:t>
+            </a:r>
+            <a:endParaRPr lang="en-US" altLang="ko-KR" sz="2000" b="1" dirty="0"/>
+          </a:p>
+          <a:p>
+            <a:endParaRPr lang="en-US" altLang="ko-KR" sz="2000" b="1" dirty="0"/>
+          </a:p>
+          <a:p>
+            <a:endParaRPr lang="en-US" altLang="ko-KR" sz="2000" b="1" dirty="0"/>
+          </a:p>
+          <a:p>
+            <a:endParaRPr lang="ko-KR" altLang="en-US" sz="2000" b="1" dirty="0"/>
           </a:p>
         </p:txBody>
       </p:sp>
@@ -4256,6 +4352,186 @@
     <p:extLst>
       <p:ext uri="{BB962C8B-B14F-4D97-AF65-F5344CB8AC3E}">
         <p14:creationId xmlns:p14="http://schemas.microsoft.com/office/powerpoint/2010/main" val="4161486526"/>
+      </p:ext>
+    </p:extLst>
+  </p:cSld>
+  <p:clrMapOvr>
+    <a:masterClrMapping/>
+  </p:clrMapOvr>
+</p:sld>
+</file>
+
+<file path=ppt/slides/slide2.xml><?xml version="1.0" encoding="utf-8"?>
+<p:sld xmlns:a="http://schemas.openxmlformats.org/drawingml/2006/main" xmlns:r="http://schemas.openxmlformats.org/officeDocument/2006/relationships" xmlns:p="http://schemas.openxmlformats.org/presentationml/2006/main">
+  <p:cSld>
+    <p:spTree>
+      <p:nvGrpSpPr>
+        <p:cNvPr id="1" name="Shape 28"/>
+        <p:cNvGrpSpPr/>
+        <p:nvPr/>
+      </p:nvGrpSpPr>
+      <p:grpSpPr>
+        <a:xfrm>
+          <a:off x="0" y="0"/>
+          <a:ext cx="0" cy="0"/>
+          <a:chOff x="0" y="0"/>
+          <a:chExt cx="0" cy="0"/>
+        </a:xfrm>
+      </p:grpSpPr>
+      <p:sp>
+        <p:nvSpPr>
+          <p:cNvPr id="29" name="Google Shape;29;p2"/>
+          <p:cNvSpPr txBox="1"/>
+          <p:nvPr/>
+        </p:nvSpPr>
+        <p:spPr>
+          <a:xfrm>
+            <a:off x="9253406" y="200997"/>
+            <a:ext cx="530727" cy="296664"/>
+          </a:xfrm>
+          <a:prstGeom prst="rect">
+            <a:avLst/>
+          </a:prstGeom>
+          <a:noFill/>
+          <a:ln>
+            <a:noFill/>
+          </a:ln>
+        </p:spPr>
+        <p:txBody>
+          <a:bodyPr spcFirstLastPara="1" wrap="square" lIns="74275" tIns="37125" rIns="74275" bIns="37125" anchor="ctr" anchorCtr="0">
+            <a:noAutofit/>
+          </a:bodyPr>
+          <a:lstStyle/>
+          <a:p>
+            <a:pPr marL="0" marR="0" lvl="0" indent="0" algn="r" rtl="0">
+              <a:spcBef>
+                <a:spcPts val="0"/>
+              </a:spcBef>
+              <a:spcAft>
+                <a:spcPts val="0"/>
+              </a:spcAft>
+              <a:buNone/>
+            </a:pPr>
+            <a:fld id="{00000000-1234-1234-1234-123412341234}" type="slidenum">
+              <a:rPr lang="en-US" altLang="ko-KR" sz="1300" b="1" u="none">
+                <a:solidFill>
+                  <a:srgbClr val="7F7F7F"/>
+                </a:solidFill>
+                <a:latin typeface="Arial"/>
+                <a:ea typeface="Arial"/>
+                <a:cs typeface="Arial"/>
+                <a:sym typeface="Arial"/>
+              </a:rPr>
+              <a:t>2</a:t>
+            </a:fld>
+            <a:endParaRPr sz="1300" b="1" u="none">
+              <a:solidFill>
+                <a:srgbClr val="7F7F7F"/>
+              </a:solidFill>
+              <a:latin typeface="Arial"/>
+              <a:ea typeface="Arial"/>
+              <a:cs typeface="Arial"/>
+              <a:sym typeface="Arial"/>
+            </a:endParaRPr>
+          </a:p>
+        </p:txBody>
+      </p:sp>
+      <p:sp>
+        <p:nvSpPr>
+          <p:cNvPr id="30" name="Google Shape;30;p2"/>
+          <p:cNvSpPr txBox="1"/>
+          <p:nvPr/>
+        </p:nvSpPr>
+        <p:spPr>
+          <a:xfrm>
+            <a:off x="278116" y="156948"/>
+            <a:ext cx="8910300" cy="831000"/>
+          </a:xfrm>
+          <a:prstGeom prst="rect">
+            <a:avLst/>
+          </a:prstGeom>
+          <a:noFill/>
+          <a:ln>
+            <a:noFill/>
+          </a:ln>
+        </p:spPr>
+        <p:txBody>
+          <a:bodyPr spcFirstLastPara="1" wrap="square" lIns="91425" tIns="45700" rIns="91425" bIns="45700" anchor="t" anchorCtr="0">
+            <a:noAutofit/>
+          </a:bodyPr>
+          <a:lstStyle/>
+          <a:p>
+            <a:pPr marL="0" marR="0" lvl="0" indent="0" algn="ctr" rtl="0">
+              <a:spcBef>
+                <a:spcPts val="0"/>
+              </a:spcBef>
+              <a:spcAft>
+                <a:spcPts val="0"/>
+              </a:spcAft>
+              <a:buNone/>
+            </a:pPr>
+            <a:r>
+              <a:rPr lang="ko-KR" sz="1800" dirty="0">
+                <a:solidFill>
+                  <a:schemeClr val="dk1"/>
+                </a:solidFill>
+              </a:rPr>
+              <a:t>데이터 과학을 위한 통계  - 발표자: </a:t>
+            </a:r>
+            <a:r>
+              <a:rPr lang="ko-KR" altLang="en-US" sz="1800" dirty="0">
+                <a:solidFill>
+                  <a:schemeClr val="dk1"/>
+                </a:solidFill>
+              </a:rPr>
+              <a:t>김동현</a:t>
+            </a:r>
+            <a:endParaRPr sz="1800" dirty="0"/>
+          </a:p>
+        </p:txBody>
+      </p:sp>
+      <p:sp>
+        <p:nvSpPr>
+          <p:cNvPr id="8" name="TextBox 7">
+            <a:extLst>
+              <a:ext uri="{FF2B5EF4-FFF2-40B4-BE49-F238E27FC236}">
+                <a16:creationId xmlns:a16="http://schemas.microsoft.com/office/drawing/2014/main" id="{53CACBD9-B236-4E1B-9525-3B3376922A2B}"/>
+              </a:ext>
+            </a:extLst>
+          </p:cNvPr>
+          <p:cNvSpPr txBox="1"/>
+          <p:nvPr/>
+        </p:nvSpPr>
+        <p:spPr>
+          <a:xfrm>
+            <a:off x="-1" y="742858"/>
+            <a:ext cx="9906000" cy="1015663"/>
+          </a:xfrm>
+          <a:prstGeom prst="rect">
+            <a:avLst/>
+          </a:prstGeom>
+          <a:noFill/>
+        </p:spPr>
+        <p:txBody>
+          <a:bodyPr wrap="square" rtlCol="0">
+            <a:spAutoFit/>
+          </a:bodyPr>
+          <a:lstStyle/>
+          <a:p>
+            <a:endParaRPr lang="en-US" altLang="ko-KR" sz="2000" b="1" dirty="0"/>
+          </a:p>
+          <a:p>
+            <a:endParaRPr lang="en-US" altLang="ko-KR" sz="2000" b="1" dirty="0"/>
+          </a:p>
+          <a:p>
+            <a:endParaRPr lang="ko-KR" altLang="en-US" sz="2000" b="1" dirty="0"/>
+          </a:p>
+        </p:txBody>
+      </p:sp>
+    </p:spTree>
+    <p:extLst>
+      <p:ext uri="{BB962C8B-B14F-4D97-AF65-F5344CB8AC3E}">
+        <p14:creationId xmlns:p14="http://schemas.microsoft.com/office/powerpoint/2010/main" val="2753116326"/>
       </p:ext>
     </p:extLst>
   </p:cSld>
